--- a/javascool_V3/trunk/org.javascool/www/sketchbook/ExplorationSonore/CoursSon.pptx
+++ b/javascool_V3/trunk/org.javascool/www/sketchbook/ExplorationSonore/CoursSon.pptx
@@ -207,7 +207,7 @@
             <a:fld id="{C30CE9B0-F5E4-BF49-BFF2-38324E1E9D7F}" type="datetimeFigureOut">
               <a:rPr lang="fr-FR" smtClean="0"/>
               <a:pPr/>
-              <a:t>17/11/10</a:t>
+              <a:t>18/11/10</a:t>
             </a:fld>
             <a:endParaRPr lang="fr-FR"/>
           </a:p>
@@ -1463,65 +1463,6 @@
             <a:endParaRPr lang="fr-FR" sz="800" dirty="0" smtClean="0"/>
           </a:p>
           <a:p>
-            <a:r>
-              <a:rPr lang="fr-FR" sz="800" dirty="0" smtClean="0"/>
-              <a:t>Filtrage: L'action du filtre consiste à retenir, supprimer,</a:t>
-            </a:r>
-            <a:r>
-              <a:rPr lang="fr-FR" sz="800" baseline="0" dirty="0" smtClean="0"/>
-              <a:t> une partie du contenu sonore, donc une partie des fréquences, en fonction de la valeur de la fréquence de coupure. </a:t>
-            </a:r>
-            <a:r>
-              <a:rPr lang="fr-FR" sz="800" dirty="0" smtClean="0"/>
-              <a:t>En filtrant une partie du spectre sonore, en éliminant une partie de ses </a:t>
-            </a:r>
-            <a:r>
-              <a:rPr lang="fr-FR" sz="800" dirty="0" smtClean="0">
-                <a:hlinkClick r:id="rId10"/>
-              </a:rPr>
-              <a:t>harmoniques</a:t>
-            </a:r>
-            <a:r>
-              <a:rPr lang="fr-FR" sz="800" dirty="0" smtClean="0"/>
-              <a:t>, le filtre modifie le timbre sonore. </a:t>
-            </a:r>
-          </a:p>
-          <a:p>
-            <a:r>
-              <a:rPr lang="fr-FR" sz="800" dirty="0" smtClean="0"/>
-              <a:t>Par exemple, sur une chaine hifi, si on corrige les graves, on peut rendre les </a:t>
-            </a:r>
-            <a:r>
-              <a:rPr lang="fr-FR" sz="800" dirty="0" smtClean="0">
-                <a:hlinkClick r:id="rId11"/>
-              </a:rPr>
-              <a:t>basses</a:t>
-            </a:r>
-            <a:r>
-              <a:rPr lang="fr-FR" sz="800" dirty="0" smtClean="0"/>
-              <a:t> plus ou moins puissantes et si on accentue ou diminue les aigus, on rend le son plus ou moins brillant. </a:t>
-            </a:r>
-          </a:p>
-          <a:p>
-            <a:r>
-              <a:rPr lang="fr-FR" sz="800" dirty="0" smtClean="0"/>
-              <a:t>Question: au</a:t>
-            </a:r>
-            <a:r>
-              <a:rPr lang="fr-FR" sz="800" baseline="0" dirty="0" smtClean="0"/>
-              <a:t> quotidien, </a:t>
-            </a:r>
-            <a:r>
-              <a:rPr lang="fr-FR" sz="800" baseline="0" dirty="0" err="1" smtClean="0"/>
-              <a:t>y-a</a:t>
-            </a:r>
-            <a:r>
-              <a:rPr lang="fr-FR" sz="800" baseline="0" dirty="0" smtClean="0"/>
-              <a:t>-t-il des effets «naturels» de filtrage sonore?</a:t>
-            </a:r>
-            <a:endParaRPr lang="fr-FR" sz="800" dirty="0" smtClean="0"/>
-          </a:p>
-          <a:p>
             <a:endParaRPr lang="fr-FR" sz="800" u="none" dirty="0" smtClean="0">
               <a:solidFill>
                 <a:srgbClr val="FF0000"/>
@@ -2482,7 +2423,40 @@
                 <a:ea typeface="+mn-ea"/>
                 <a:cs typeface="+mn-cs"/>
               </a:rPr>
-              <a:t>Une simple expérience permet de saisir la notion de fréquence naturelle ou mode propre: en secouant une corde attachée à une extrémité, on peut observer selon la fréquence de l'excitation l'apparition d'une onde sinusoïdale qui court le long de la corde. Chaque mode propre a une période et une fréquence qui est intiment corrélée à la longueur de la corde.</a:t>
+              <a:t>Une simple expérience permet de saisir la notion de fréquence naturelle ou mode propre: en secouant une corde attachée à une extrémité, on peut observer selon la fréquence de l'excitation l'apparition d'une onde sinusoïdale qui court le long de la corde. Chaque mode propre a une période et une fréquence qui est intiment corrélée à la longueur de la corde</a:t>
+            </a:r>
+            <a:r>
+              <a:rPr lang="fr-FR" sz="1200" kern="1200" dirty="0" smtClean="0">
+                <a:solidFill>
+                  <a:schemeClr val="tx1"/>
+                </a:solidFill>
+                <a:latin typeface="+mn-lt"/>
+                <a:ea typeface="+mn-ea"/>
+                <a:cs typeface="+mn-cs"/>
+              </a:rPr>
+              <a:t>. (ou encore l’</a:t>
+            </a:r>
+            <a:r>
+              <a:rPr lang="fr-FR" sz="1200" kern="1200" dirty="0" err="1" smtClean="0">
+                <a:solidFill>
+                  <a:schemeClr val="tx1"/>
+                </a:solidFill>
+                <a:latin typeface="+mn-lt"/>
+                <a:ea typeface="+mn-ea"/>
+                <a:cs typeface="+mn-cs"/>
+              </a:rPr>
+              <a:t>experience</a:t>
+            </a:r>
+            <a:r>
+              <a:rPr lang="fr-FR" sz="1200" kern="1200" dirty="0" smtClean="0">
+                <a:solidFill>
+                  <a:schemeClr val="tx1"/>
+                </a:solidFill>
+                <a:latin typeface="+mn-lt"/>
+                <a:ea typeface="+mn-ea"/>
+                <a:cs typeface="+mn-cs"/>
+              </a:rPr>
+              <a:t> du diapason qui lorsqu’il sonne peut faire entrer en vibration une corde de guitare à sa proximité)</a:t>
             </a:r>
           </a:p>
           <a:p>
@@ -2891,18 +2865,7 @@
                 <a:ea typeface="+mn-ea"/>
                 <a:cs typeface="+mn-cs"/>
               </a:rPr>
-              <a:t>L'onde </a:t>
-            </a:r>
-            <a:r>
-              <a:rPr lang="fr-FR" sz="1200" kern="1200" dirty="0" smtClean="0">
-                <a:solidFill>
-                  <a:schemeClr val="tx1"/>
-                </a:solidFill>
-                <a:latin typeface="+mn-lt"/>
-                <a:ea typeface="+mn-ea"/>
-                <a:cs typeface="+mn-cs"/>
-              </a:rPr>
-              <a:t>sinusoïdale est un cas particulier des </a:t>
+              <a:t>L'onde sinusoïdale est un cas particulier des </a:t>
             </a:r>
             <a:r>
               <a:rPr lang="fr-FR" sz="1200" b="1" kern="1200" dirty="0" smtClean="0">
@@ -3098,13 +3061,8 @@
           <a:p>
             <a:r>
               <a:rPr lang="fr-FR" baseline="0" dirty="0" smtClean="0"/>
-              <a:t>Mais que </a:t>
-            </a:r>
-            <a:r>
-              <a:rPr lang="fr-FR" baseline="0" dirty="0" smtClean="0"/>
-              <a:t>se passe-t-il quand le milieu transmetteur change..?</a:t>
-            </a:r>
-            <a:endParaRPr lang="fr-FR" baseline="0" dirty="0" smtClean="0"/>
+              <a:t>Mais que se passe-t-il quand le milieu transmetteur change..?</a:t>
+            </a:r>
           </a:p>
           <a:p>
             <a:endParaRPr lang="fr-FR" dirty="0" smtClean="0"/>
@@ -3354,7 +3312,7 @@
             <a:fld id="{E548273B-DFF8-6147-B079-78F66749EEE1}" type="datetimeFigureOut">
               <a:rPr lang="fr-FR" smtClean="0"/>
               <a:pPr/>
-              <a:t>17/11/10</a:t>
+              <a:t>18/11/10</a:t>
             </a:fld>
             <a:endParaRPr lang="fr-FR"/>
           </a:p>
@@ -3521,7 +3479,7 @@
             <a:fld id="{E548273B-DFF8-6147-B079-78F66749EEE1}" type="datetimeFigureOut">
               <a:rPr lang="fr-FR" smtClean="0"/>
               <a:pPr/>
-              <a:t>17/11/10</a:t>
+              <a:t>18/11/10</a:t>
             </a:fld>
             <a:endParaRPr lang="fr-FR"/>
           </a:p>
@@ -3698,7 +3656,7 @@
             <a:fld id="{E548273B-DFF8-6147-B079-78F66749EEE1}" type="datetimeFigureOut">
               <a:rPr lang="fr-FR" smtClean="0"/>
               <a:pPr/>
-              <a:t>17/11/10</a:t>
+              <a:t>18/11/10</a:t>
             </a:fld>
             <a:endParaRPr lang="fr-FR"/>
           </a:p>
@@ -3865,7 +3823,7 @@
             <a:fld id="{E548273B-DFF8-6147-B079-78F66749EEE1}" type="datetimeFigureOut">
               <a:rPr lang="fr-FR" smtClean="0"/>
               <a:pPr/>
-              <a:t>17/11/10</a:t>
+              <a:t>18/11/10</a:t>
             </a:fld>
             <a:endParaRPr lang="fr-FR"/>
           </a:p>
@@ -4108,7 +4066,7 @@
             <a:fld id="{E548273B-DFF8-6147-B079-78F66749EEE1}" type="datetimeFigureOut">
               <a:rPr lang="fr-FR" smtClean="0"/>
               <a:pPr/>
-              <a:t>17/11/10</a:t>
+              <a:t>18/11/10</a:t>
             </a:fld>
             <a:endParaRPr lang="fr-FR"/>
           </a:p>
@@ -4393,7 +4351,7 @@
             <a:fld id="{E548273B-DFF8-6147-B079-78F66749EEE1}" type="datetimeFigureOut">
               <a:rPr lang="fr-FR" smtClean="0"/>
               <a:pPr/>
-              <a:t>17/11/10</a:t>
+              <a:t>18/11/10</a:t>
             </a:fld>
             <a:endParaRPr lang="fr-FR"/>
           </a:p>
@@ -4812,7 +4770,7 @@
             <a:fld id="{E548273B-DFF8-6147-B079-78F66749EEE1}" type="datetimeFigureOut">
               <a:rPr lang="fr-FR" smtClean="0"/>
               <a:pPr/>
-              <a:t>17/11/10</a:t>
+              <a:t>18/11/10</a:t>
             </a:fld>
             <a:endParaRPr lang="fr-FR"/>
           </a:p>
@@ -4927,7 +4885,7 @@
             <a:fld id="{E548273B-DFF8-6147-B079-78F66749EEE1}" type="datetimeFigureOut">
               <a:rPr lang="fr-FR" smtClean="0"/>
               <a:pPr/>
-              <a:t>17/11/10</a:t>
+              <a:t>18/11/10</a:t>
             </a:fld>
             <a:endParaRPr lang="fr-FR"/>
           </a:p>
@@ -5019,7 +4977,7 @@
             <a:fld id="{E548273B-DFF8-6147-B079-78F66749EEE1}" type="datetimeFigureOut">
               <a:rPr lang="fr-FR" smtClean="0"/>
               <a:pPr/>
-              <a:t>17/11/10</a:t>
+              <a:t>18/11/10</a:t>
             </a:fld>
             <a:endParaRPr lang="fr-FR"/>
           </a:p>
@@ -5293,7 +5251,7 @@
             <a:fld id="{E548273B-DFF8-6147-B079-78F66749EEE1}" type="datetimeFigureOut">
               <a:rPr lang="fr-FR" smtClean="0"/>
               <a:pPr/>
-              <a:t>17/11/10</a:t>
+              <a:t>18/11/10</a:t>
             </a:fld>
             <a:endParaRPr lang="fr-FR"/>
           </a:p>
@@ -5543,7 +5501,7 @@
             <a:fld id="{E548273B-DFF8-6147-B079-78F66749EEE1}" type="datetimeFigureOut">
               <a:rPr lang="fr-FR" smtClean="0"/>
               <a:pPr/>
-              <a:t>17/11/10</a:t>
+              <a:t>18/11/10</a:t>
             </a:fld>
             <a:endParaRPr lang="fr-FR"/>
           </a:p>
@@ -5753,7 +5711,7 @@
             <a:fld id="{E548273B-DFF8-6147-B079-78F66749EEE1}" type="datetimeFigureOut">
               <a:rPr lang="fr-FR" smtClean="0"/>
               <a:pPr/>
-              <a:t>17/11/10</a:t>
+              <a:t>18/11/10</a:t>
             </a:fld>
             <a:endParaRPr lang="fr-FR"/>
           </a:p>
